--- a/pptx_engine/templates/bull-bear/data-flow-diagram-light.pptx
+++ b/pptx_engine/templates/bull-bear/data-flow-diagram-light.pptx
@@ -3081,6 +3081,14 @@
 <file path=ppt/slides/slide1.xml><?xml version="1.0" encoding="utf-8"?>
 <p:sld xmlns:a="http://schemas.openxmlformats.org/drawingml/2006/main" xmlns:p="http://schemas.openxmlformats.org/presentationml/2006/main" xmlns:r="http://schemas.openxmlformats.org/officeDocument/2006/relationships">
   <p:cSld>
+    <p:bg>
+      <p:bgPr>
+        <a:solidFill>
+          <a:srgbClr val="212121"/>
+        </a:solidFill>
+        <a:effectLst/>
+      </p:bgPr>
+    </p:bg>
     <p:spTree>
       <p:nvGrpSpPr>
         <p:cNvPr id="1" name=""/>
@@ -3088,40 +3096,63 @@
         <p:nvPr/>
       </p:nvGrpSpPr>
       <p:grpSpPr/>
-      <p:pic>
-        <p:nvPicPr>
-          <p:cNvPr id="2" name="Picture 1" descr="slide_03.png"/>
-          <p:cNvPicPr>
-            <a:picLocks noChangeAspect="1"/>
-          </p:cNvPicPr>
+      <p:sp>
+        <p:nvSpPr>
+          <p:cNvPr id="2" name="Rounded Rectangle 1"/>
+          <p:cNvSpPr/>
           <p:nvPr/>
-        </p:nvPicPr>
-        <p:blipFill>
-          <a:blip r:embed="rId2"/>
-          <a:stretch>
-            <a:fillRect/>
-          </a:stretch>
-        </p:blipFill>
-        <p:spPr>
-          <a:xfrm>
-            <a:off x="0" y="0"/>
-            <a:ext cx="24384030" cy="13716000"/>
-          </a:xfrm>
-          <a:prstGeom prst="rect">
+        </p:nvSpPr>
+        <p:spPr>
+          <a:xfrm>
+            <a:off x="-82570" y="-82570"/>
+            <a:ext cx="24549171" cy="13881232"/>
+          </a:xfrm>
+          <a:prstGeom prst="roundRect">
             <a:avLst/>
           </a:prstGeom>
-        </p:spPr>
-      </p:pic>
-      <p:sp>
-        <p:nvSpPr>
-          <p:cNvPr id="3" name="breadcrumb"/>
+          <a:solidFill>
+            <a:srgbClr val="212121">
+              <a:alpha val="5000"/>
+            </a:srgbClr>
+          </a:solidFill>
+          <a:ln w="50800">
+            <a:solidFill>
+              <a:srgbClr val="D6E0DE"/>
+            </a:solidFill>
+          </a:ln>
+        </p:spPr>
+        <p:style>
+          <a:lnRef idx="1">
+            <a:schemeClr val="accent1"/>
+          </a:lnRef>
+          <a:fillRef idx="3">
+            <a:schemeClr val="accent1"/>
+          </a:fillRef>
+          <a:effectRef idx="2">
+            <a:schemeClr val="accent1"/>
+          </a:effectRef>
+          <a:fontRef idx="minor">
+            <a:schemeClr val="lt1"/>
+          </a:fontRef>
+        </p:style>
+        <p:txBody>
+          <a:bodyPr rtlCol="0" anchor="ctr"/>
+          <a:lstStyle/>
+          <a:p>
+            <a:pPr algn="ctr"/>
+          </a:p>
+        </p:txBody>
+      </p:sp>
+      <p:sp>
+        <p:nvSpPr>
+          <p:cNvPr id="3" name="TextBox 2"/>
           <p:cNvSpPr txBox="1"/>
           <p:nvPr/>
         </p:nvSpPr>
         <p:spPr>
           <a:xfrm>
-            <a:off x="320040" y="164592"/>
-            <a:ext cx="2743200" cy="292608"/>
+            <a:off x="4465015" y="2475463"/>
+            <a:ext cx="15453908" cy="708660"/>
           </a:xfrm>
           <a:prstGeom prst="rect">
             <a:avLst/>
@@ -3134,29 +3165,29 @@
           </a:bodyPr>
           <a:lstStyle/>
           <a:p>
-            <a:pPr algn="l"/>
-            <a:r>
-              <a:rPr sz="1100" b="0">
+            <a:pPr algn="ctr"/>
+            <a:r>
+              <a:rPr sz="6000" b="0" i="0">
                 <a:solidFill>
                   <a:srgbClr val="212121"/>
                 </a:solidFill>
                 <a:latin typeface="Rajdhani"/>
               </a:rPr>
-              <a:t>{{breadcrumb}}</a:t>
-            </a:r>
-          </a:p>
-        </p:txBody>
-      </p:sp>
-      <p:sp>
-        <p:nvSpPr>
-          <p:cNvPr id="4" name="slide_title"/>
+              <a:t>Trading systems built with real market data</a:t>
+            </a:r>
+          </a:p>
+        </p:txBody>
+      </p:sp>
+      <p:sp>
+        <p:nvSpPr>
+          <p:cNvPr id="4" name="TextBox 3"/>
           <p:cNvSpPr txBox="1"/>
           <p:nvPr/>
         </p:nvSpPr>
         <p:spPr>
           <a:xfrm>
-            <a:off x="457200" y="502920"/>
-            <a:ext cx="11247120" cy="594360"/>
+            <a:off x="1066830" y="1143000"/>
+            <a:ext cx="5333969" cy="559155"/>
           </a:xfrm>
           <a:prstGeom prst="rect">
             <a:avLst/>
@@ -3169,29 +3200,29 @@
           </a:bodyPr>
           <a:lstStyle/>
           <a:p>
-            <a:pPr algn="ctr"/>
-            <a:r>
-              <a:rPr sz="3600" b="1">
+            <a:pPr algn="l"/>
+            <a:r>
+              <a:rPr sz="3600" b="0" i="0">
                 <a:solidFill>
                   <a:srgbClr val="212121"/>
                 </a:solidFill>
                 <a:latin typeface="Rajdhani"/>
               </a:rPr>
-              <a:t>{{slide_title}}</a:t>
-            </a:r>
-          </a:p>
-        </p:txBody>
-      </p:sp>
-      <p:sp>
-        <p:nvSpPr>
-          <p:cNvPr id="5" name="top_left_header"/>
+              <a:t>process</a:t>
+            </a:r>
+          </a:p>
+        </p:txBody>
+      </p:sp>
+      <p:sp>
+        <p:nvSpPr>
+          <p:cNvPr id="5" name="TextBox 4"/>
           <p:cNvSpPr txBox="1"/>
           <p:nvPr/>
         </p:nvSpPr>
         <p:spPr>
           <a:xfrm>
-            <a:off x="228600" y="1417320"/>
-            <a:ext cx="3200400" cy="347472"/>
+            <a:off x="2375245" y="10046970"/>
+            <a:ext cx="5016489" cy="2298710"/>
           </a:xfrm>
           <a:prstGeom prst="rect">
             <a:avLst/>
@@ -3206,27 +3237,87 @@
           <a:p>
             <a:pPr algn="ctr"/>
             <a:r>
-              <a:rPr sz="1400" b="1">
-                <a:solidFill>
-                  <a:srgbClr val="212121"/>
-                </a:solidFill>
-                <a:latin typeface="Quicksand"/>
-              </a:rPr>
-              <a:t>{{top_left_header}}</a:t>
-            </a:r>
-          </a:p>
-        </p:txBody>
-      </p:sp>
-      <p:sp>
-        <p:nvSpPr>
-          <p:cNvPr id="6" name="top_left_body"/>
+              <a:rPr sz="2600" b="0" i="0">
+                <a:solidFill>
+                  <a:srgbClr val="FFFFFF"/>
+                </a:solidFill>
+                <a:latin typeface="Quicksand (TT)"/>
+              </a:rPr>
+              <a:t>S&amp;P 500 </a:t>
+            </a:r>
+          </a:p>
+          <a:p>
+            <a:pPr algn="ctr"/>
+            <a:r>
+              <a:rPr sz="2600" b="0" i="0">
+                <a:solidFill>
+                  <a:srgbClr val="FFFFFF"/>
+                </a:solidFill>
+                <a:latin typeface="Quicksand (TT)"/>
+              </a:rPr>
+              <a:t>DJIA </a:t>
+            </a:r>
+          </a:p>
+          <a:p>
+            <a:pPr algn="ctr"/>
+            <a:r>
+              <a:rPr sz="2600" b="0" i="0">
+                <a:solidFill>
+                  <a:srgbClr val="FFFFFF"/>
+                </a:solidFill>
+                <a:latin typeface="Quicksand (TT)"/>
+              </a:rPr>
+              <a:t>Russell 2000 </a:t>
+            </a:r>
+          </a:p>
+          <a:p>
+            <a:pPr algn="ctr"/>
+            <a:r>
+              <a:rPr sz="2600" b="0" i="0">
+                <a:solidFill>
+                  <a:srgbClr val="FFFFFF"/>
+                </a:solidFill>
+                <a:latin typeface="Quicksand (TT)"/>
+              </a:rPr>
+              <a:t>Dow Utilities </a:t>
+            </a:r>
+          </a:p>
+          <a:p>
+            <a:pPr algn="ctr"/>
+            <a:r>
+              <a:rPr sz="2600" b="0" i="0">
+                <a:solidFill>
+                  <a:srgbClr val="FFFFFF"/>
+                </a:solidFill>
+                <a:latin typeface="Quicksand (TT)"/>
+              </a:rPr>
+              <a:t>Dow Transports </a:t>
+            </a:r>
+          </a:p>
+          <a:p>
+            <a:pPr algn="ctr"/>
+            <a:r>
+              <a:rPr sz="2600" b="0" i="0">
+                <a:solidFill>
+                  <a:srgbClr val="FFFFFF"/>
+                </a:solidFill>
+                <a:latin typeface="Quicksand (TT)"/>
+              </a:rPr>
+              <a:t>Dow Corporate Bonds</a:t>
+            </a:r>
+          </a:p>
+        </p:txBody>
+      </p:sp>
+      <p:sp>
+        <p:nvSpPr>
+          <p:cNvPr id="6" name="TextBox 5"/>
           <p:cNvSpPr txBox="1"/>
           <p:nvPr/>
         </p:nvSpPr>
         <p:spPr>
           <a:xfrm>
-            <a:off x="228600" y="1874519"/>
-            <a:ext cx="3200400" cy="2286000"/>
+            <a:off x="3833804" y="8756751"/>
+            <a:ext cx="2099462" cy="406359"/>
           </a:xfrm>
           <a:prstGeom prst="rect">
             <a:avLst/>
@@ -3241,27 +3332,70 @@
           <a:p>
             <a:pPr algn="ctr"/>
             <a:r>
-              <a:rPr sz="1200" b="0">
-                <a:solidFill>
-                  <a:srgbClr val="FFFFFF"/>
-                </a:solidFill>
-                <a:latin typeface="Quicksand"/>
-              </a:rPr>
-              <a:t>{{top_left_body}}</a:t>
-            </a:r>
-          </a:p>
-        </p:txBody>
-      </p:sp>
-      <p:sp>
-        <p:nvSpPr>
-          <p:cNvPr id="7" name="top_right_header"/>
+              <a:rPr sz="3200" b="0" i="0">
+                <a:solidFill>
+                  <a:srgbClr val="212121"/>
+                </a:solidFill>
+                <a:latin typeface="Quicksand (TT)"/>
+              </a:rPr>
+              <a:t>Index Data</a:t>
+            </a:r>
+          </a:p>
+        </p:txBody>
+      </p:sp>
+      <p:sp>
+        <p:nvSpPr>
+          <p:cNvPr id="7" name="Rounded Rectangle 6"/>
+          <p:cNvSpPr/>
+          <p:nvPr/>
+        </p:nvSpPr>
+        <p:spPr>
+          <a:xfrm>
+            <a:off x="2026036" y="9392168"/>
+            <a:ext cx="5715000" cy="4323831"/>
+          </a:xfrm>
+          <a:prstGeom prst="roundRect">
+            <a:avLst/>
+          </a:prstGeom>
+          <a:solidFill>
+            <a:srgbClr val="212121"/>
+          </a:solidFill>
+          <a:ln>
+            <a:noFill/>
+          </a:ln>
+        </p:spPr>
+        <p:style>
+          <a:lnRef idx="1">
+            <a:schemeClr val="accent1"/>
+          </a:lnRef>
+          <a:fillRef idx="3">
+            <a:schemeClr val="accent1"/>
+          </a:fillRef>
+          <a:effectRef idx="2">
+            <a:schemeClr val="accent1"/>
+          </a:effectRef>
+          <a:fontRef idx="minor">
+            <a:schemeClr val="lt1"/>
+          </a:fontRef>
+        </p:style>
+        <p:txBody>
+          <a:bodyPr rtlCol="0" anchor="ctr"/>
+          <a:lstStyle/>
+          <a:p>
+            <a:pPr algn="ctr"/>
+          </a:p>
+        </p:txBody>
+      </p:sp>
+      <p:sp>
+        <p:nvSpPr>
+          <p:cNvPr id="8" name="TextBox 7"/>
           <p:cNvSpPr txBox="1"/>
           <p:nvPr/>
         </p:nvSpPr>
         <p:spPr>
           <a:xfrm>
-            <a:off x="8503920" y="1417320"/>
-            <a:ext cx="3200400" cy="347472"/>
+            <a:off x="2760299" y="4859030"/>
+            <a:ext cx="4246382" cy="406359"/>
           </a:xfrm>
           <a:prstGeom prst="rect">
             <a:avLst/>
@@ -3276,27 +3410,27 @@
           <a:p>
             <a:pPr algn="ctr"/>
             <a:r>
-              <a:rPr sz="1400" b="1">
+              <a:rPr sz="3200" b="0" i="0">
                 <a:solidFill>
                   <a:srgbClr val="212121"/>
                 </a:solidFill>
-                <a:latin typeface="Quicksand"/>
-              </a:rPr>
-              <a:t>{{top_right_header}}</a:t>
-            </a:r>
-          </a:p>
-        </p:txBody>
-      </p:sp>
-      <p:sp>
-        <p:nvSpPr>
-          <p:cNvPr id="8" name="top_right_body"/>
+                <a:latin typeface="Quicksand (TT)"/>
+              </a:rPr>
+              <a:t>Market Internals Data</a:t>
+            </a:r>
+          </a:p>
+        </p:txBody>
+      </p:sp>
+      <p:sp>
+        <p:nvSpPr>
+          <p:cNvPr id="9" name="TextBox 8"/>
           <p:cNvSpPr txBox="1"/>
           <p:nvPr/>
         </p:nvSpPr>
         <p:spPr>
           <a:xfrm>
-            <a:off x="8503920" y="1874519"/>
-            <a:ext cx="3200400" cy="2286000"/>
+            <a:off x="2375154" y="5962710"/>
+            <a:ext cx="5016672" cy="1511320"/>
           </a:xfrm>
           <a:prstGeom prst="rect">
             <a:avLst/>
@@ -3311,27 +3445,82 @@
           <a:p>
             <a:pPr algn="ctr"/>
             <a:r>
-              <a:rPr sz="1200" b="0">
+              <a:rPr sz="2600" b="0" i="0">
                 <a:solidFill>
                   <a:srgbClr val="FFFFFF"/>
                 </a:solidFill>
-                <a:latin typeface="Quicksand"/>
-              </a:rPr>
-              <a:t>{{top_right_body}}</a:t>
-            </a:r>
-          </a:p>
-        </p:txBody>
-      </p:sp>
-      <p:sp>
-        <p:nvSpPr>
-          <p:cNvPr id="9" name="center_header"/>
+                <a:latin typeface="Quicksand (TT)"/>
+              </a:rPr>
+              <a:t>Index Advances and Declines Trading Volume </a:t>
+            </a:r>
+          </a:p>
+          <a:p>
+            <a:pPr algn="ctr"/>
+            <a:r>
+              <a:rPr sz="2600" b="0" i="0">
+                <a:solidFill>
+                  <a:srgbClr val="FFFFFF"/>
+                </a:solidFill>
+                <a:latin typeface="Quicksand (TT)"/>
+              </a:rPr>
+              <a:t>Index New Highs and New Lows Volatility Measures (VIX)</a:t>
+            </a:r>
+          </a:p>
+        </p:txBody>
+      </p:sp>
+      <p:sp>
+        <p:nvSpPr>
+          <p:cNvPr id="10" name="Rounded Rectangle 9"/>
+          <p:cNvSpPr/>
+          <p:nvPr/>
+        </p:nvSpPr>
+        <p:spPr>
+          <a:xfrm>
+            <a:off x="2026036" y="5440314"/>
+            <a:ext cx="5715000" cy="2543403"/>
+          </a:xfrm>
+          <a:prstGeom prst="roundRect">
+            <a:avLst/>
+          </a:prstGeom>
+          <a:solidFill>
+            <a:srgbClr val="212121"/>
+          </a:solidFill>
+          <a:ln>
+            <a:noFill/>
+          </a:ln>
+        </p:spPr>
+        <p:style>
+          <a:lnRef idx="1">
+            <a:schemeClr val="accent1"/>
+          </a:lnRef>
+          <a:fillRef idx="3">
+            <a:schemeClr val="accent1"/>
+          </a:fillRef>
+          <a:effectRef idx="2">
+            <a:schemeClr val="accent1"/>
+          </a:effectRef>
+          <a:fontRef idx="minor">
+            <a:schemeClr val="lt1"/>
+          </a:fontRef>
+        </p:style>
+        <p:txBody>
+          <a:bodyPr rtlCol="0" anchor="ctr"/>
+          <a:lstStyle/>
+          <a:p>
+            <a:pPr algn="ctr"/>
+          </a:p>
+        </p:txBody>
+      </p:sp>
+      <p:sp>
+        <p:nvSpPr>
+          <p:cNvPr id="11" name="TextBox 10"/>
           <p:cNvSpPr txBox="1"/>
           <p:nvPr/>
         </p:nvSpPr>
         <p:spPr>
           <a:xfrm>
-            <a:off x="4297680" y="1417320"/>
-            <a:ext cx="3200400" cy="347472"/>
+            <a:off x="2375245" y="10046970"/>
+            <a:ext cx="5016489" cy="2298710"/>
           </a:xfrm>
           <a:prstGeom prst="rect">
             <a:avLst/>
@@ -3346,27 +3535,87 @@
           <a:p>
             <a:pPr algn="ctr"/>
             <a:r>
-              <a:rPr sz="1400" b="1">
-                <a:solidFill>
-                  <a:srgbClr val="212121"/>
-                </a:solidFill>
-                <a:latin typeface="Quicksand"/>
-              </a:rPr>
-              <a:t>{{center_header}}</a:t>
-            </a:r>
-          </a:p>
-        </p:txBody>
-      </p:sp>
-      <p:sp>
-        <p:nvSpPr>
-          <p:cNvPr id="10" name="center_body"/>
+              <a:rPr sz="2600" b="0" i="0">
+                <a:solidFill>
+                  <a:srgbClr val="FFFFFF"/>
+                </a:solidFill>
+                <a:latin typeface="Quicksand (TT)"/>
+              </a:rPr>
+              <a:t>S&amp;P 500 </a:t>
+            </a:r>
+          </a:p>
+          <a:p>
+            <a:pPr algn="ctr"/>
+            <a:r>
+              <a:rPr sz="2600" b="0" i="0">
+                <a:solidFill>
+                  <a:srgbClr val="FFFFFF"/>
+                </a:solidFill>
+                <a:latin typeface="Quicksand (TT)"/>
+              </a:rPr>
+              <a:t>DJIA </a:t>
+            </a:r>
+          </a:p>
+          <a:p>
+            <a:pPr algn="ctr"/>
+            <a:r>
+              <a:rPr sz="2600" b="0" i="0">
+                <a:solidFill>
+                  <a:srgbClr val="FFFFFF"/>
+                </a:solidFill>
+                <a:latin typeface="Quicksand (TT)"/>
+              </a:rPr>
+              <a:t>Russell 2000 </a:t>
+            </a:r>
+          </a:p>
+          <a:p>
+            <a:pPr algn="ctr"/>
+            <a:r>
+              <a:rPr sz="2600" b="0" i="0">
+                <a:solidFill>
+                  <a:srgbClr val="FFFFFF"/>
+                </a:solidFill>
+                <a:latin typeface="Quicksand (TT)"/>
+              </a:rPr>
+              <a:t>Dow Utilities </a:t>
+            </a:r>
+          </a:p>
+          <a:p>
+            <a:pPr algn="ctr"/>
+            <a:r>
+              <a:rPr sz="2600" b="0" i="0">
+                <a:solidFill>
+                  <a:srgbClr val="FFFFFF"/>
+                </a:solidFill>
+                <a:latin typeface="Quicksand (TT)"/>
+              </a:rPr>
+              <a:t>Dow Transports </a:t>
+            </a:r>
+          </a:p>
+          <a:p>
+            <a:pPr algn="ctr"/>
+            <a:r>
+              <a:rPr sz="2600" b="0" i="0">
+                <a:solidFill>
+                  <a:srgbClr val="FFFFFF"/>
+                </a:solidFill>
+                <a:latin typeface="Quicksand (TT)"/>
+              </a:rPr>
+              <a:t>Dow Corporate Bonds</a:t>
+            </a:r>
+          </a:p>
+        </p:txBody>
+      </p:sp>
+      <p:sp>
+        <p:nvSpPr>
+          <p:cNvPr id="12" name="TextBox 11"/>
           <p:cNvSpPr txBox="1"/>
           <p:nvPr/>
         </p:nvSpPr>
         <p:spPr>
           <a:xfrm>
-            <a:off x="4297680" y="1874519"/>
-            <a:ext cx="3200400" cy="2286000"/>
+            <a:off x="3833804" y="8756751"/>
+            <a:ext cx="2099462" cy="406359"/>
           </a:xfrm>
           <a:prstGeom prst="rect">
             <a:avLst/>
@@ -3381,27 +3630,70 @@
           <a:p>
             <a:pPr algn="ctr"/>
             <a:r>
-              <a:rPr sz="1200" b="0">
-                <a:solidFill>
-                  <a:srgbClr val="FFFFFF"/>
-                </a:solidFill>
-                <a:latin typeface="Quicksand"/>
-              </a:rPr>
-              <a:t>{{center_body}}</a:t>
-            </a:r>
-          </a:p>
-        </p:txBody>
-      </p:sp>
-      <p:sp>
-        <p:nvSpPr>
-          <p:cNvPr id="11" name="btm_left_header"/>
+              <a:rPr sz="3200" b="0" i="0">
+                <a:solidFill>
+                  <a:srgbClr val="212121"/>
+                </a:solidFill>
+                <a:latin typeface="Quicksand (TT)"/>
+              </a:rPr>
+              <a:t>Index Data</a:t>
+            </a:r>
+          </a:p>
+        </p:txBody>
+      </p:sp>
+      <p:sp>
+        <p:nvSpPr>
+          <p:cNvPr id="13" name="Rounded Rectangle 12"/>
+          <p:cNvSpPr/>
+          <p:nvPr/>
+        </p:nvSpPr>
+        <p:spPr>
+          <a:xfrm>
+            <a:off x="2026036" y="9392168"/>
+            <a:ext cx="5715000" cy="4323831"/>
+          </a:xfrm>
+          <a:prstGeom prst="roundRect">
+            <a:avLst/>
+          </a:prstGeom>
+          <a:solidFill>
+            <a:srgbClr val="212121"/>
+          </a:solidFill>
+          <a:ln>
+            <a:noFill/>
+          </a:ln>
+        </p:spPr>
+        <p:style>
+          <a:lnRef idx="1">
+            <a:schemeClr val="accent1"/>
+          </a:lnRef>
+          <a:fillRef idx="3">
+            <a:schemeClr val="accent1"/>
+          </a:fillRef>
+          <a:effectRef idx="2">
+            <a:schemeClr val="accent1"/>
+          </a:effectRef>
+          <a:fontRef idx="minor">
+            <a:schemeClr val="lt1"/>
+          </a:fontRef>
+        </p:style>
+        <p:txBody>
+          <a:bodyPr rtlCol="0" anchor="ctr"/>
+          <a:lstStyle/>
+          <a:p>
+            <a:pPr algn="ctr"/>
+          </a:p>
+        </p:txBody>
+      </p:sp>
+      <p:sp>
+        <p:nvSpPr>
+          <p:cNvPr id="14" name="TextBox 13"/>
           <p:cNvSpPr txBox="1"/>
           <p:nvPr/>
         </p:nvSpPr>
         <p:spPr>
           <a:xfrm>
-            <a:off x="228600" y="4069080"/>
-            <a:ext cx="3200400" cy="347472"/>
+            <a:off x="2760299" y="4859030"/>
+            <a:ext cx="4246382" cy="406359"/>
           </a:xfrm>
           <a:prstGeom prst="rect">
             <a:avLst/>
@@ -3416,27 +3708,27 @@
           <a:p>
             <a:pPr algn="ctr"/>
             <a:r>
-              <a:rPr sz="1400" b="1">
+              <a:rPr sz="3200" b="0" i="0">
                 <a:solidFill>
                   <a:srgbClr val="212121"/>
                 </a:solidFill>
-                <a:latin typeface="Quicksand"/>
-              </a:rPr>
-              <a:t>{{btm_left_header}}</a:t>
-            </a:r>
-          </a:p>
-        </p:txBody>
-      </p:sp>
-      <p:sp>
-        <p:nvSpPr>
-          <p:cNvPr id="12" name="btm_left_body"/>
+                <a:latin typeface="Quicksand (TT)"/>
+              </a:rPr>
+              <a:t>Market Internals Data</a:t>
+            </a:r>
+          </a:p>
+        </p:txBody>
+      </p:sp>
+      <p:sp>
+        <p:nvSpPr>
+          <p:cNvPr id="15" name="TextBox 14"/>
           <p:cNvSpPr txBox="1"/>
           <p:nvPr/>
         </p:nvSpPr>
         <p:spPr>
           <a:xfrm>
-            <a:off x="228600" y="4526280"/>
-            <a:ext cx="3200400" cy="2286000"/>
+            <a:off x="2375154" y="5962710"/>
+            <a:ext cx="5016672" cy="1511320"/>
           </a:xfrm>
           <a:prstGeom prst="rect">
             <a:avLst/>
@@ -3451,27 +3743,82 @@
           <a:p>
             <a:pPr algn="ctr"/>
             <a:r>
-              <a:rPr sz="1200" b="0">
+              <a:rPr sz="2600" b="0" i="0">
                 <a:solidFill>
                   <a:srgbClr val="FFFFFF"/>
                 </a:solidFill>
-                <a:latin typeface="Quicksand"/>
-              </a:rPr>
-              <a:t>{{btm_left_body}}</a:t>
-            </a:r>
-          </a:p>
-        </p:txBody>
-      </p:sp>
-      <p:sp>
-        <p:nvSpPr>
-          <p:cNvPr id="13" name="btm_right_header"/>
+                <a:latin typeface="Quicksand (TT)"/>
+              </a:rPr>
+              <a:t>Index Advances and Declines Trading Volume </a:t>
+            </a:r>
+          </a:p>
+          <a:p>
+            <a:pPr algn="ctr"/>
+            <a:r>
+              <a:rPr sz="2600" b="0" i="0">
+                <a:solidFill>
+                  <a:srgbClr val="FFFFFF"/>
+                </a:solidFill>
+                <a:latin typeface="Quicksand (TT)"/>
+              </a:rPr>
+              <a:t>Index New Highs and New Lows Volatility Measures (VIX)</a:t>
+            </a:r>
+          </a:p>
+        </p:txBody>
+      </p:sp>
+      <p:sp>
+        <p:nvSpPr>
+          <p:cNvPr id="16" name="Rounded Rectangle 15"/>
+          <p:cNvSpPr/>
+          <p:nvPr/>
+        </p:nvSpPr>
+        <p:spPr>
+          <a:xfrm>
+            <a:off x="2026036" y="5440314"/>
+            <a:ext cx="5715000" cy="2543403"/>
+          </a:xfrm>
+          <a:prstGeom prst="roundRect">
+            <a:avLst/>
+          </a:prstGeom>
+          <a:solidFill>
+            <a:srgbClr val="212121"/>
+          </a:solidFill>
+          <a:ln>
+            <a:noFill/>
+          </a:ln>
+        </p:spPr>
+        <p:style>
+          <a:lnRef idx="1">
+            <a:schemeClr val="accent1"/>
+          </a:lnRef>
+          <a:fillRef idx="3">
+            <a:schemeClr val="accent1"/>
+          </a:fillRef>
+          <a:effectRef idx="2">
+            <a:schemeClr val="accent1"/>
+          </a:effectRef>
+          <a:fontRef idx="minor">
+            <a:schemeClr val="lt1"/>
+          </a:fontRef>
+        </p:style>
+        <p:txBody>
+          <a:bodyPr rtlCol="0" anchor="ctr"/>
+          <a:lstStyle/>
+          <a:p>
+            <a:pPr algn="ctr"/>
+          </a:p>
+        </p:txBody>
+      </p:sp>
+      <p:sp>
+        <p:nvSpPr>
+          <p:cNvPr id="17" name="TextBox 16"/>
           <p:cNvSpPr txBox="1"/>
           <p:nvPr/>
         </p:nvSpPr>
         <p:spPr>
           <a:xfrm>
-            <a:off x="8503920" y="4069080"/>
-            <a:ext cx="3200400" cy="347472"/>
+            <a:off x="9792949" y="5962710"/>
+            <a:ext cx="4798131" cy="3479840"/>
           </a:xfrm>
           <a:prstGeom prst="rect">
             <a:avLst/>
@@ -3486,27 +3833,123 @@
           <a:p>
             <a:pPr algn="ctr"/>
             <a:r>
-              <a:rPr sz="1400" b="1">
-                <a:solidFill>
-                  <a:srgbClr val="212121"/>
-                </a:solidFill>
-                <a:latin typeface="Quicksand"/>
-              </a:rPr>
-              <a:t>{{btm_right_header}}</a:t>
-            </a:r>
-          </a:p>
-        </p:txBody>
-      </p:sp>
-      <p:sp>
-        <p:nvSpPr>
-          <p:cNvPr id="14" name="btm_right_body"/>
+              <a:rPr sz="2600" b="0" i="0">
+                <a:solidFill>
+                  <a:srgbClr val="000000"/>
+                </a:solidFill>
+                <a:latin typeface="Quicksand (TT)"/>
+              </a:rPr>
+              <a:t>Trend Following </a:t>
+            </a:r>
+          </a:p>
+          <a:p>
+            <a:pPr algn="ctr"/>
+            <a:r>
+              <a:rPr sz="2600" b="0" i="0">
+                <a:solidFill>
+                  <a:srgbClr val="000000"/>
+                </a:solidFill>
+                <a:latin typeface="Quicksand (TT)"/>
+              </a:rPr>
+              <a:t>Momentum </a:t>
+            </a:r>
+          </a:p>
+          <a:p>
+            <a:pPr algn="ctr"/>
+            <a:r>
+              <a:rPr sz="2600" b="0" i="0">
+                <a:solidFill>
+                  <a:srgbClr val="000000"/>
+                </a:solidFill>
+                <a:latin typeface="Quicksand (TT)"/>
+              </a:rPr>
+              <a:t>Relative Strength </a:t>
+            </a:r>
+          </a:p>
+          <a:p>
+            <a:pPr algn="ctr"/>
+            <a:r>
+              <a:rPr sz="2600" b="0" i="0">
+                <a:solidFill>
+                  <a:srgbClr val="000000"/>
+                </a:solidFill>
+                <a:latin typeface="Quicksand (TT)"/>
+              </a:rPr>
+              <a:t>Bollinger Bands </a:t>
+            </a:r>
+          </a:p>
+          <a:p>
+            <a:pPr algn="ctr"/>
+            <a:r>
+              <a:rPr sz="2600" b="0" i="0">
+                <a:solidFill>
+                  <a:srgbClr val="000000"/>
+                </a:solidFill>
+                <a:latin typeface="Quicksand (TT)"/>
+              </a:rPr>
+              <a:t>Stochastics </a:t>
+            </a:r>
+          </a:p>
+          <a:p>
+            <a:pPr algn="ctr"/>
+            <a:r>
+              <a:rPr sz="2600" b="0" i="0">
+                <a:solidFill>
+                  <a:srgbClr val="000000"/>
+                </a:solidFill>
+                <a:latin typeface="Quicksand (TT)"/>
+              </a:rPr>
+              <a:t>Oscillators </a:t>
+            </a:r>
+          </a:p>
+          <a:p>
+            <a:pPr algn="ctr"/>
+            <a:r>
+              <a:rPr sz="2600" b="0" i="0">
+                <a:solidFill>
+                  <a:srgbClr val="000000"/>
+                </a:solidFill>
+                <a:latin typeface="Quicksand (TT)"/>
+              </a:rPr>
+              <a:t>Intermarket Analysis </a:t>
+            </a:r>
+          </a:p>
+          <a:p>
+            <a:pPr algn="ctr"/>
+            <a:r>
+              <a:rPr sz="2600" b="0" i="0">
+                <a:solidFill>
+                  <a:srgbClr val="000000"/>
+                </a:solidFill>
+                <a:latin typeface="Quicksand (TT)"/>
+              </a:rPr>
+              <a:t>Mean Reversion </a:t>
+            </a:r>
+          </a:p>
+          <a:p>
+            <a:pPr algn="ctr"/>
+            <a:r>
+              <a:rPr sz="2600" b="0" i="0">
+                <a:solidFill>
+                  <a:srgbClr val="000000"/>
+                </a:solidFill>
+                <a:latin typeface="Quicksand (TT)"/>
+              </a:rPr>
+              <a:t>Overbought/Oversold Analysis</a:t>
+            </a:r>
+          </a:p>
+        </p:txBody>
+      </p:sp>
+      <p:sp>
+        <p:nvSpPr>
+          <p:cNvPr id="18" name="TextBox 17"/>
           <p:cNvSpPr txBox="1"/>
           <p:nvPr/>
         </p:nvSpPr>
         <p:spPr>
           <a:xfrm>
-            <a:off x="8503920" y="4526280"/>
-            <a:ext cx="3200400" cy="2286000"/>
+            <a:off x="10278861" y="4804897"/>
+            <a:ext cx="3826215" cy="406359"/>
           </a:xfrm>
           <a:prstGeom prst="rect">
             <a:avLst/>
@@ -3521,14 +3964,986 @@
           <a:p>
             <a:pPr algn="ctr"/>
             <a:r>
-              <a:rPr sz="1200" b="0">
+              <a:rPr sz="3200" b="0" i="0">
+                <a:solidFill>
+                  <a:srgbClr val="212121"/>
+                </a:solidFill>
+                <a:latin typeface="Quicksand (TT)"/>
+              </a:rPr>
+              <a:t>Technical Indicators</a:t>
+            </a:r>
+          </a:p>
+        </p:txBody>
+      </p:sp>
+      <p:sp>
+        <p:nvSpPr>
+          <p:cNvPr id="19" name="Rounded Rectangle 18"/>
+          <p:cNvSpPr/>
+          <p:nvPr/>
+        </p:nvSpPr>
+        <p:spPr>
+          <a:xfrm>
+            <a:off x="9334469" y="5440314"/>
+            <a:ext cx="5715000" cy="8275685"/>
+          </a:xfrm>
+          <a:prstGeom prst="roundRect">
+            <a:avLst/>
+          </a:prstGeom>
+          <a:solidFill>
+            <a:srgbClr val="FDC012"/>
+          </a:solidFill>
+          <a:ln>
+            <a:noFill/>
+          </a:ln>
+        </p:spPr>
+        <p:style>
+          <a:lnRef idx="1">
+            <a:schemeClr val="accent1"/>
+          </a:lnRef>
+          <a:fillRef idx="3">
+            <a:schemeClr val="accent1"/>
+          </a:fillRef>
+          <a:effectRef idx="2">
+            <a:schemeClr val="accent1"/>
+          </a:effectRef>
+          <a:fontRef idx="minor">
+            <a:schemeClr val="lt1"/>
+          </a:fontRef>
+        </p:style>
+        <p:txBody>
+          <a:bodyPr rtlCol="0" anchor="ctr"/>
+          <a:lstStyle/>
+          <a:p>
+            <a:pPr algn="ctr"/>
+          </a:p>
+        </p:txBody>
+      </p:sp>
+      <p:sp>
+        <p:nvSpPr>
+          <p:cNvPr id="20" name="TextBox 19"/>
+          <p:cNvSpPr txBox="1"/>
+          <p:nvPr/>
+        </p:nvSpPr>
+        <p:spPr>
+          <a:xfrm>
+            <a:off x="9792949" y="5962710"/>
+            <a:ext cx="4798131" cy="3479840"/>
+          </a:xfrm>
+          <a:prstGeom prst="rect">
+            <a:avLst/>
+          </a:prstGeom>
+          <a:noFill/>
+        </p:spPr>
+        <p:txBody>
+          <a:bodyPr wrap="square">
+            <a:spAutoFit/>
+          </a:bodyPr>
+          <a:lstStyle/>
+          <a:p>
+            <a:pPr algn="ctr"/>
+            <a:r>
+              <a:rPr sz="2600" b="0" i="0">
+                <a:solidFill>
+                  <a:srgbClr val="000000"/>
+                </a:solidFill>
+                <a:latin typeface="Quicksand (TT)"/>
+              </a:rPr>
+              <a:t>Trend Following </a:t>
+            </a:r>
+          </a:p>
+          <a:p>
+            <a:pPr algn="ctr"/>
+            <a:r>
+              <a:rPr sz="2600" b="0" i="0">
+                <a:solidFill>
+                  <a:srgbClr val="000000"/>
+                </a:solidFill>
+                <a:latin typeface="Quicksand (TT)"/>
+              </a:rPr>
+              <a:t>Momentum </a:t>
+            </a:r>
+          </a:p>
+          <a:p>
+            <a:pPr algn="ctr"/>
+            <a:r>
+              <a:rPr sz="2600" b="0" i="0">
+                <a:solidFill>
+                  <a:srgbClr val="000000"/>
+                </a:solidFill>
+                <a:latin typeface="Quicksand (TT)"/>
+              </a:rPr>
+              <a:t>Relative Strength </a:t>
+            </a:r>
+          </a:p>
+          <a:p>
+            <a:pPr algn="ctr"/>
+            <a:r>
+              <a:rPr sz="2600" b="0" i="0">
+                <a:solidFill>
+                  <a:srgbClr val="000000"/>
+                </a:solidFill>
+                <a:latin typeface="Quicksand (TT)"/>
+              </a:rPr>
+              <a:t>Bollinger Bands </a:t>
+            </a:r>
+          </a:p>
+          <a:p>
+            <a:pPr algn="ctr"/>
+            <a:r>
+              <a:rPr sz="2600" b="0" i="0">
+                <a:solidFill>
+                  <a:srgbClr val="000000"/>
+                </a:solidFill>
+                <a:latin typeface="Quicksand (TT)"/>
+              </a:rPr>
+              <a:t>Stochastics </a:t>
+            </a:r>
+          </a:p>
+          <a:p>
+            <a:pPr algn="ctr"/>
+            <a:r>
+              <a:rPr sz="2600" b="0" i="0">
+                <a:solidFill>
+                  <a:srgbClr val="000000"/>
+                </a:solidFill>
+                <a:latin typeface="Quicksand (TT)"/>
+              </a:rPr>
+              <a:t>Oscillators </a:t>
+            </a:r>
+          </a:p>
+          <a:p>
+            <a:pPr algn="ctr"/>
+            <a:r>
+              <a:rPr sz="2600" b="0" i="0">
+                <a:solidFill>
+                  <a:srgbClr val="000000"/>
+                </a:solidFill>
+                <a:latin typeface="Quicksand (TT)"/>
+              </a:rPr>
+              <a:t>Intermarket Analysis </a:t>
+            </a:r>
+          </a:p>
+          <a:p>
+            <a:pPr algn="ctr"/>
+            <a:r>
+              <a:rPr sz="2600" b="0" i="0">
+                <a:solidFill>
+                  <a:srgbClr val="000000"/>
+                </a:solidFill>
+                <a:latin typeface="Quicksand (TT)"/>
+              </a:rPr>
+              <a:t>Mean Reversion </a:t>
+            </a:r>
+          </a:p>
+          <a:p>
+            <a:pPr algn="ctr"/>
+            <a:r>
+              <a:rPr sz="2600" b="0" i="0">
+                <a:solidFill>
+                  <a:srgbClr val="000000"/>
+                </a:solidFill>
+                <a:latin typeface="Quicksand (TT)"/>
+              </a:rPr>
+              <a:t>Overbought/Oversold Analysis</a:t>
+            </a:r>
+          </a:p>
+        </p:txBody>
+      </p:sp>
+      <p:sp>
+        <p:nvSpPr>
+          <p:cNvPr id="21" name="TextBox 20"/>
+          <p:cNvSpPr txBox="1"/>
+          <p:nvPr/>
+        </p:nvSpPr>
+        <p:spPr>
+          <a:xfrm>
+            <a:off x="10278861" y="4804897"/>
+            <a:ext cx="3826215" cy="406359"/>
+          </a:xfrm>
+          <a:prstGeom prst="rect">
+            <a:avLst/>
+          </a:prstGeom>
+          <a:noFill/>
+        </p:spPr>
+        <p:txBody>
+          <a:bodyPr wrap="square">
+            <a:spAutoFit/>
+          </a:bodyPr>
+          <a:lstStyle/>
+          <a:p>
+            <a:pPr algn="ctr"/>
+            <a:r>
+              <a:rPr sz="3200" b="0" i="0">
+                <a:solidFill>
+                  <a:srgbClr val="212121"/>
+                </a:solidFill>
+                <a:latin typeface="Quicksand (TT)"/>
+              </a:rPr>
+              <a:t>Technical Indicators</a:t>
+            </a:r>
+          </a:p>
+        </p:txBody>
+      </p:sp>
+      <p:sp>
+        <p:nvSpPr>
+          <p:cNvPr id="22" name="Rounded Rectangle 21"/>
+          <p:cNvSpPr/>
+          <p:nvPr/>
+        </p:nvSpPr>
+        <p:spPr>
+          <a:xfrm>
+            <a:off x="9334469" y="5440314"/>
+            <a:ext cx="5715000" cy="8275685"/>
+          </a:xfrm>
+          <a:prstGeom prst="roundRect">
+            <a:avLst/>
+          </a:prstGeom>
+          <a:solidFill>
+            <a:srgbClr val="FDC012"/>
+          </a:solidFill>
+          <a:ln>
+            <a:noFill/>
+          </a:ln>
+        </p:spPr>
+        <p:style>
+          <a:lnRef idx="1">
+            <a:schemeClr val="accent1"/>
+          </a:lnRef>
+          <a:fillRef idx="3">
+            <a:schemeClr val="accent1"/>
+          </a:fillRef>
+          <a:effectRef idx="2">
+            <a:schemeClr val="accent1"/>
+          </a:effectRef>
+          <a:fontRef idx="minor">
+            <a:schemeClr val="lt1"/>
+          </a:fontRef>
+        </p:style>
+        <p:txBody>
+          <a:bodyPr rtlCol="0" anchor="ctr"/>
+          <a:lstStyle/>
+          <a:p>
+            <a:pPr algn="ctr"/>
+          </a:p>
+        </p:txBody>
+      </p:sp>
+      <p:sp>
+        <p:nvSpPr>
+          <p:cNvPr id="23" name="TextBox 22"/>
+          <p:cNvSpPr txBox="1"/>
+          <p:nvPr/>
+        </p:nvSpPr>
+        <p:spPr>
+          <a:xfrm>
+            <a:off x="17982407" y="8756751"/>
+            <a:ext cx="3036173" cy="406359"/>
+          </a:xfrm>
+          <a:prstGeom prst="rect">
+            <a:avLst/>
+          </a:prstGeom>
+          <a:noFill/>
+        </p:spPr>
+        <p:txBody>
+          <a:bodyPr wrap="square">
+            <a:spAutoFit/>
+          </a:bodyPr>
+          <a:lstStyle/>
+          <a:p>
+            <a:pPr algn="ctr"/>
+            <a:r>
+              <a:rPr sz="3200" b="0" i="0">
+                <a:solidFill>
+                  <a:srgbClr val="212121"/>
+                </a:solidFill>
+                <a:latin typeface="Quicksand (TT)"/>
+              </a:rPr>
+              <a:t>Sentiment Data</a:t>
+            </a:r>
+          </a:p>
+        </p:txBody>
+      </p:sp>
+      <p:sp>
+        <p:nvSpPr>
+          <p:cNvPr id="24" name="TextBox 23"/>
+          <p:cNvSpPr txBox="1"/>
+          <p:nvPr/>
+        </p:nvSpPr>
+        <p:spPr>
+          <a:xfrm>
+            <a:off x="16992203" y="10046970"/>
+            <a:ext cx="5016489" cy="1117579"/>
+          </a:xfrm>
+          <a:prstGeom prst="rect">
+            <a:avLst/>
+          </a:prstGeom>
+          <a:noFill/>
+        </p:spPr>
+        <p:txBody>
+          <a:bodyPr wrap="square">
+            <a:spAutoFit/>
+          </a:bodyPr>
+          <a:lstStyle/>
+          <a:p>
+            <a:pPr algn="ctr"/>
+            <a:r>
+              <a:rPr sz="2600" b="0" i="0">
                 <a:solidFill>
                   <a:srgbClr val="FFFFFF"/>
                 </a:solidFill>
-                <a:latin typeface="Quicksand"/>
-              </a:rPr>
-              <a:t>{{btm_right_body}}</a:t>
-            </a:r>
+                <a:latin typeface="Quicksand (TT)"/>
+              </a:rPr>
+              <a:t>Commercial Longs and Shorts AAII Bullish and Bearish % </a:t>
+            </a:r>
+          </a:p>
+          <a:p>
+            <a:pPr algn="ctr"/>
+            <a:r>
+              <a:rPr sz="2600" b="0" i="0">
+                <a:solidFill>
+                  <a:srgbClr val="FFFFFF"/>
+                </a:solidFill>
+                <a:latin typeface="Quicksand (TT)"/>
+              </a:rPr>
+              <a:t>Put-Call Ratio</a:t>
+            </a:r>
+          </a:p>
+        </p:txBody>
+      </p:sp>
+      <p:sp>
+        <p:nvSpPr>
+          <p:cNvPr id="25" name="Rounded Rectangle 24"/>
+          <p:cNvSpPr/>
+          <p:nvPr/>
+        </p:nvSpPr>
+        <p:spPr>
+          <a:xfrm>
+            <a:off x="16642994" y="9392168"/>
+            <a:ext cx="5715000" cy="4323831"/>
+          </a:xfrm>
+          <a:prstGeom prst="roundRect">
+            <a:avLst/>
+          </a:prstGeom>
+          <a:solidFill>
+            <a:srgbClr val="212121"/>
+          </a:solidFill>
+          <a:ln>
+            <a:noFill/>
+          </a:ln>
+        </p:spPr>
+        <p:style>
+          <a:lnRef idx="1">
+            <a:schemeClr val="accent1"/>
+          </a:lnRef>
+          <a:fillRef idx="3">
+            <a:schemeClr val="accent1"/>
+          </a:fillRef>
+          <a:effectRef idx="2">
+            <a:schemeClr val="accent1"/>
+          </a:effectRef>
+          <a:fontRef idx="minor">
+            <a:schemeClr val="lt1"/>
+          </a:fontRef>
+        </p:style>
+        <p:txBody>
+          <a:bodyPr rtlCol="0" anchor="ctr"/>
+          <a:lstStyle/>
+          <a:p>
+            <a:pPr algn="ctr"/>
+          </a:p>
+        </p:txBody>
+      </p:sp>
+      <p:sp>
+        <p:nvSpPr>
+          <p:cNvPr id="26" name="TextBox 25"/>
+          <p:cNvSpPr txBox="1"/>
+          <p:nvPr/>
+        </p:nvSpPr>
+        <p:spPr>
+          <a:xfrm>
+            <a:off x="18037820" y="4804897"/>
+            <a:ext cx="2925257" cy="406359"/>
+          </a:xfrm>
+          <a:prstGeom prst="rect">
+            <a:avLst/>
+          </a:prstGeom>
+          <a:noFill/>
+        </p:spPr>
+        <p:txBody>
+          <a:bodyPr wrap="square">
+            <a:spAutoFit/>
+          </a:bodyPr>
+          <a:lstStyle/>
+          <a:p>
+            <a:pPr algn="ctr"/>
+            <a:r>
+              <a:rPr sz="3200" b="0" i="0">
+                <a:solidFill>
+                  <a:srgbClr val="212121"/>
+                </a:solidFill>
+                <a:latin typeface="Quicksand (TT)"/>
+              </a:rPr>
+              <a:t>Economic Data</a:t>
+            </a:r>
+          </a:p>
+        </p:txBody>
+      </p:sp>
+      <p:sp>
+        <p:nvSpPr>
+          <p:cNvPr id="27" name="TextBox 26"/>
+          <p:cNvSpPr txBox="1"/>
+          <p:nvPr/>
+        </p:nvSpPr>
+        <p:spPr>
+          <a:xfrm>
+            <a:off x="16992203" y="5962710"/>
+            <a:ext cx="5016489" cy="1511320"/>
+          </a:xfrm>
+          <a:prstGeom prst="rect">
+            <a:avLst/>
+          </a:prstGeom>
+          <a:noFill/>
+        </p:spPr>
+        <p:txBody>
+          <a:bodyPr wrap="square">
+            <a:spAutoFit/>
+          </a:bodyPr>
+          <a:lstStyle/>
+          <a:p>
+            <a:pPr algn="ctr"/>
+            <a:r>
+              <a:rPr sz="2600" b="0" i="0">
+                <a:solidFill>
+                  <a:srgbClr val="FFFFFF"/>
+                </a:solidFill>
+                <a:latin typeface="Quicksand (TT)"/>
+              </a:rPr>
+              <a:t>Fed Funds Rate </a:t>
+            </a:r>
+          </a:p>
+          <a:p>
+            <a:pPr algn="ctr"/>
+            <a:r>
+              <a:rPr sz="2600" b="0" i="0">
+                <a:solidFill>
+                  <a:srgbClr val="FFFFFF"/>
+                </a:solidFill>
+                <a:latin typeface="Quicksand (TT)"/>
+              </a:rPr>
+              <a:t>Prime Rate </a:t>
+            </a:r>
+          </a:p>
+          <a:p>
+            <a:pPr algn="ctr"/>
+            <a:r>
+              <a:rPr sz="2600" b="0" i="0">
+                <a:solidFill>
+                  <a:srgbClr val="FFFFFF"/>
+                </a:solidFill>
+                <a:latin typeface="Quicksand (TT)"/>
+              </a:rPr>
+              <a:t>Discount Rate </a:t>
+            </a:r>
+          </a:p>
+          <a:p>
+            <a:pPr algn="ctr"/>
+            <a:r>
+              <a:rPr sz="2600" b="0" i="0">
+                <a:solidFill>
+                  <a:srgbClr val="FFFFFF"/>
+                </a:solidFill>
+                <a:latin typeface="Quicksand (TT)"/>
+              </a:rPr>
+              <a:t>Treasury Bill Rate</a:t>
+            </a:r>
+          </a:p>
+        </p:txBody>
+      </p:sp>
+      <p:sp>
+        <p:nvSpPr>
+          <p:cNvPr id="28" name="Rounded Rectangle 27"/>
+          <p:cNvSpPr/>
+          <p:nvPr/>
+        </p:nvSpPr>
+        <p:spPr>
+          <a:xfrm>
+            <a:off x="16642994" y="5440314"/>
+            <a:ext cx="5715000" cy="2543403"/>
+          </a:xfrm>
+          <a:prstGeom prst="roundRect">
+            <a:avLst/>
+          </a:prstGeom>
+          <a:solidFill>
+            <a:srgbClr val="212121"/>
+          </a:solidFill>
+          <a:ln>
+            <a:noFill/>
+          </a:ln>
+        </p:spPr>
+        <p:style>
+          <a:lnRef idx="1">
+            <a:schemeClr val="accent1"/>
+          </a:lnRef>
+          <a:fillRef idx="3">
+            <a:schemeClr val="accent1"/>
+          </a:fillRef>
+          <a:effectRef idx="2">
+            <a:schemeClr val="accent1"/>
+          </a:effectRef>
+          <a:fontRef idx="minor">
+            <a:schemeClr val="lt1"/>
+          </a:fontRef>
+        </p:style>
+        <p:txBody>
+          <a:bodyPr rtlCol="0" anchor="ctr"/>
+          <a:lstStyle/>
+          <a:p>
+            <a:pPr algn="ctr"/>
+          </a:p>
+        </p:txBody>
+      </p:sp>
+      <p:sp>
+        <p:nvSpPr>
+          <p:cNvPr id="29" name="TextBox 28"/>
+          <p:cNvSpPr txBox="1"/>
+          <p:nvPr/>
+        </p:nvSpPr>
+        <p:spPr>
+          <a:xfrm>
+            <a:off x="17982407" y="8756751"/>
+            <a:ext cx="3036173" cy="406359"/>
+          </a:xfrm>
+          <a:prstGeom prst="rect">
+            <a:avLst/>
+          </a:prstGeom>
+          <a:noFill/>
+        </p:spPr>
+        <p:txBody>
+          <a:bodyPr wrap="square">
+            <a:spAutoFit/>
+          </a:bodyPr>
+          <a:lstStyle/>
+          <a:p>
+            <a:pPr algn="ctr"/>
+            <a:r>
+              <a:rPr sz="3200" b="0" i="0">
+                <a:solidFill>
+                  <a:srgbClr val="212121"/>
+                </a:solidFill>
+                <a:latin typeface="Quicksand (TT)"/>
+              </a:rPr>
+              <a:t>Sentiment Data</a:t>
+            </a:r>
+          </a:p>
+        </p:txBody>
+      </p:sp>
+      <p:sp>
+        <p:nvSpPr>
+          <p:cNvPr id="30" name="TextBox 29"/>
+          <p:cNvSpPr txBox="1"/>
+          <p:nvPr/>
+        </p:nvSpPr>
+        <p:spPr>
+          <a:xfrm>
+            <a:off x="16992203" y="10046970"/>
+            <a:ext cx="5016489" cy="1117579"/>
+          </a:xfrm>
+          <a:prstGeom prst="rect">
+            <a:avLst/>
+          </a:prstGeom>
+          <a:noFill/>
+        </p:spPr>
+        <p:txBody>
+          <a:bodyPr wrap="square">
+            <a:spAutoFit/>
+          </a:bodyPr>
+          <a:lstStyle/>
+          <a:p>
+            <a:pPr algn="ctr"/>
+            <a:r>
+              <a:rPr sz="2600" b="0" i="0">
+                <a:solidFill>
+                  <a:srgbClr val="FFFFFF"/>
+                </a:solidFill>
+                <a:latin typeface="Quicksand (TT)"/>
+              </a:rPr>
+              <a:t>Commercial Longs and Shorts AAII Bullish and Bearish % </a:t>
+            </a:r>
+          </a:p>
+          <a:p>
+            <a:pPr algn="ctr"/>
+            <a:r>
+              <a:rPr sz="2600" b="0" i="0">
+                <a:solidFill>
+                  <a:srgbClr val="FFFFFF"/>
+                </a:solidFill>
+                <a:latin typeface="Quicksand (TT)"/>
+              </a:rPr>
+              <a:t>Put-Call Ratio</a:t>
+            </a:r>
+          </a:p>
+        </p:txBody>
+      </p:sp>
+      <p:sp>
+        <p:nvSpPr>
+          <p:cNvPr id="31" name="Rounded Rectangle 30"/>
+          <p:cNvSpPr/>
+          <p:nvPr/>
+        </p:nvSpPr>
+        <p:spPr>
+          <a:xfrm>
+            <a:off x="16642994" y="9392168"/>
+            <a:ext cx="5715000" cy="4323831"/>
+          </a:xfrm>
+          <a:prstGeom prst="roundRect">
+            <a:avLst/>
+          </a:prstGeom>
+          <a:solidFill>
+            <a:srgbClr val="212121"/>
+          </a:solidFill>
+          <a:ln>
+            <a:noFill/>
+          </a:ln>
+        </p:spPr>
+        <p:style>
+          <a:lnRef idx="1">
+            <a:schemeClr val="accent1"/>
+          </a:lnRef>
+          <a:fillRef idx="3">
+            <a:schemeClr val="accent1"/>
+          </a:fillRef>
+          <a:effectRef idx="2">
+            <a:schemeClr val="accent1"/>
+          </a:effectRef>
+          <a:fontRef idx="minor">
+            <a:schemeClr val="lt1"/>
+          </a:fontRef>
+        </p:style>
+        <p:txBody>
+          <a:bodyPr rtlCol="0" anchor="ctr"/>
+          <a:lstStyle/>
+          <a:p>
+            <a:pPr algn="ctr"/>
+          </a:p>
+        </p:txBody>
+      </p:sp>
+      <p:sp>
+        <p:nvSpPr>
+          <p:cNvPr id="32" name="TextBox 31"/>
+          <p:cNvSpPr txBox="1"/>
+          <p:nvPr/>
+        </p:nvSpPr>
+        <p:spPr>
+          <a:xfrm>
+            <a:off x="18037820" y="4804897"/>
+            <a:ext cx="2925257" cy="406359"/>
+          </a:xfrm>
+          <a:prstGeom prst="rect">
+            <a:avLst/>
+          </a:prstGeom>
+          <a:noFill/>
+        </p:spPr>
+        <p:txBody>
+          <a:bodyPr wrap="square">
+            <a:spAutoFit/>
+          </a:bodyPr>
+          <a:lstStyle/>
+          <a:p>
+            <a:pPr algn="ctr"/>
+            <a:r>
+              <a:rPr sz="3200" b="0" i="0">
+                <a:solidFill>
+                  <a:srgbClr val="212121"/>
+                </a:solidFill>
+                <a:latin typeface="Quicksand (TT)"/>
+              </a:rPr>
+              <a:t>Economic Data</a:t>
+            </a:r>
+          </a:p>
+        </p:txBody>
+      </p:sp>
+      <p:sp>
+        <p:nvSpPr>
+          <p:cNvPr id="33" name="TextBox 32"/>
+          <p:cNvSpPr txBox="1"/>
+          <p:nvPr/>
+        </p:nvSpPr>
+        <p:spPr>
+          <a:xfrm>
+            <a:off x="16992203" y="5962710"/>
+            <a:ext cx="5016489" cy="1511320"/>
+          </a:xfrm>
+          <a:prstGeom prst="rect">
+            <a:avLst/>
+          </a:prstGeom>
+          <a:noFill/>
+        </p:spPr>
+        <p:txBody>
+          <a:bodyPr wrap="square">
+            <a:spAutoFit/>
+          </a:bodyPr>
+          <a:lstStyle/>
+          <a:p>
+            <a:pPr algn="ctr"/>
+            <a:r>
+              <a:rPr sz="2600" b="0" i="0">
+                <a:solidFill>
+                  <a:srgbClr val="FFFFFF"/>
+                </a:solidFill>
+                <a:latin typeface="Quicksand (TT)"/>
+              </a:rPr>
+              <a:t>Fed Funds Rate </a:t>
+            </a:r>
+          </a:p>
+          <a:p>
+            <a:pPr algn="ctr"/>
+            <a:r>
+              <a:rPr sz="2600" b="0" i="0">
+                <a:solidFill>
+                  <a:srgbClr val="FFFFFF"/>
+                </a:solidFill>
+                <a:latin typeface="Quicksand (TT)"/>
+              </a:rPr>
+              <a:t>Prime Rate </a:t>
+            </a:r>
+          </a:p>
+          <a:p>
+            <a:pPr algn="ctr"/>
+            <a:r>
+              <a:rPr sz="2600" b="0" i="0">
+                <a:solidFill>
+                  <a:srgbClr val="FFFFFF"/>
+                </a:solidFill>
+                <a:latin typeface="Quicksand (TT)"/>
+              </a:rPr>
+              <a:t>Discount Rate </a:t>
+            </a:r>
+          </a:p>
+          <a:p>
+            <a:pPr algn="ctr"/>
+            <a:r>
+              <a:rPr sz="2600" b="0" i="0">
+                <a:solidFill>
+                  <a:srgbClr val="FFFFFF"/>
+                </a:solidFill>
+                <a:latin typeface="Quicksand (TT)"/>
+              </a:rPr>
+              <a:t>Treasury Bill Rate</a:t>
+            </a:r>
+          </a:p>
+        </p:txBody>
+      </p:sp>
+      <p:sp>
+        <p:nvSpPr>
+          <p:cNvPr id="34" name="Rounded Rectangle 33"/>
+          <p:cNvSpPr/>
+          <p:nvPr/>
+        </p:nvSpPr>
+        <p:spPr>
+          <a:xfrm>
+            <a:off x="16642994" y="5440314"/>
+            <a:ext cx="5715000" cy="2543403"/>
+          </a:xfrm>
+          <a:prstGeom prst="roundRect">
+            <a:avLst/>
+          </a:prstGeom>
+          <a:solidFill>
+            <a:srgbClr val="212121"/>
+          </a:solidFill>
+          <a:ln>
+            <a:noFill/>
+          </a:ln>
+        </p:spPr>
+        <p:style>
+          <a:lnRef idx="1">
+            <a:schemeClr val="accent1"/>
+          </a:lnRef>
+          <a:fillRef idx="3">
+            <a:schemeClr val="accent1"/>
+          </a:fillRef>
+          <a:effectRef idx="2">
+            <a:schemeClr val="accent1"/>
+          </a:effectRef>
+          <a:fontRef idx="minor">
+            <a:schemeClr val="lt1"/>
+          </a:fontRef>
+        </p:style>
+        <p:txBody>
+          <a:bodyPr rtlCol="0" anchor="ctr"/>
+          <a:lstStyle/>
+          <a:p>
+            <a:pPr algn="ctr"/>
+          </a:p>
+        </p:txBody>
+      </p:sp>
+      <p:sp>
+        <p:nvSpPr>
+          <p:cNvPr id="35" name="Rounded Rectangle 34"/>
+          <p:cNvSpPr/>
+          <p:nvPr/>
+        </p:nvSpPr>
+        <p:spPr>
+          <a:xfrm>
+            <a:off x="15550194" y="6538965"/>
+            <a:ext cx="365028" cy="346008"/>
+          </a:xfrm>
+          <a:prstGeom prst="roundRect">
+            <a:avLst/>
+          </a:prstGeom>
+          <a:solidFill>
+            <a:srgbClr val="000000"/>
+          </a:solidFill>
+          <a:ln>
+            <a:noFill/>
+          </a:ln>
+        </p:spPr>
+        <p:style>
+          <a:lnRef idx="1">
+            <a:schemeClr val="accent1"/>
+          </a:lnRef>
+          <a:fillRef idx="3">
+            <a:schemeClr val="accent1"/>
+          </a:fillRef>
+          <a:effectRef idx="2">
+            <a:schemeClr val="accent1"/>
+          </a:effectRef>
+          <a:fontRef idx="minor">
+            <a:schemeClr val="lt1"/>
+          </a:fontRef>
+        </p:style>
+        <p:txBody>
+          <a:bodyPr rtlCol="0" anchor="ctr"/>
+          <a:lstStyle/>
+          <a:p>
+            <a:pPr algn="ctr"/>
+          </a:p>
+        </p:txBody>
+      </p:sp>
+      <p:sp>
+        <p:nvSpPr>
+          <p:cNvPr id="36" name="Rounded Rectangle 35"/>
+          <p:cNvSpPr/>
+          <p:nvPr/>
+        </p:nvSpPr>
+        <p:spPr>
+          <a:xfrm>
+            <a:off x="15550194" y="10490911"/>
+            <a:ext cx="365028" cy="346008"/>
+          </a:xfrm>
+          <a:prstGeom prst="roundRect">
+            <a:avLst/>
+          </a:prstGeom>
+          <a:solidFill>
+            <a:srgbClr val="000000"/>
+          </a:solidFill>
+          <a:ln>
+            <a:noFill/>
+          </a:ln>
+        </p:spPr>
+        <p:style>
+          <a:lnRef idx="1">
+            <a:schemeClr val="accent1"/>
+          </a:lnRef>
+          <a:fillRef idx="3">
+            <a:schemeClr val="accent1"/>
+          </a:fillRef>
+          <a:effectRef idx="2">
+            <a:schemeClr val="accent1"/>
+          </a:effectRef>
+          <a:fontRef idx="minor">
+            <a:schemeClr val="lt1"/>
+          </a:fontRef>
+        </p:style>
+        <p:txBody>
+          <a:bodyPr rtlCol="0" anchor="ctr"/>
+          <a:lstStyle/>
+          <a:p>
+            <a:pPr algn="ctr"/>
+          </a:p>
+        </p:txBody>
+      </p:sp>
+      <p:sp>
+        <p:nvSpPr>
+          <p:cNvPr id="37" name="Rounded Rectangle 36"/>
+          <p:cNvSpPr/>
+          <p:nvPr/>
+        </p:nvSpPr>
+        <p:spPr>
+          <a:xfrm>
+            <a:off x="8653241" y="10490911"/>
+            <a:ext cx="365028" cy="346008"/>
+          </a:xfrm>
+          <a:prstGeom prst="roundRect">
+            <a:avLst/>
+          </a:prstGeom>
+          <a:solidFill>
+            <a:srgbClr val="000000"/>
+          </a:solidFill>
+          <a:ln>
+            <a:noFill/>
+          </a:ln>
+        </p:spPr>
+        <p:style>
+          <a:lnRef idx="1">
+            <a:schemeClr val="accent1"/>
+          </a:lnRef>
+          <a:fillRef idx="3">
+            <a:schemeClr val="accent1"/>
+          </a:fillRef>
+          <a:effectRef idx="2">
+            <a:schemeClr val="accent1"/>
+          </a:effectRef>
+          <a:fontRef idx="minor">
+            <a:schemeClr val="lt1"/>
+          </a:fontRef>
+        </p:style>
+        <p:txBody>
+          <a:bodyPr rtlCol="0" anchor="ctr"/>
+          <a:lstStyle/>
+          <a:p>
+            <a:pPr algn="ctr"/>
+          </a:p>
+        </p:txBody>
+      </p:sp>
+      <p:sp>
+        <p:nvSpPr>
+          <p:cNvPr id="38" name="Rounded Rectangle 37"/>
+          <p:cNvSpPr/>
+          <p:nvPr/>
+        </p:nvSpPr>
+        <p:spPr>
+          <a:xfrm>
+            <a:off x="8653241" y="6538965"/>
+            <a:ext cx="365028" cy="346008"/>
+          </a:xfrm>
+          <a:prstGeom prst="roundRect">
+            <a:avLst/>
+          </a:prstGeom>
+          <a:solidFill>
+            <a:srgbClr val="000000"/>
+          </a:solidFill>
+          <a:ln>
+            <a:noFill/>
+          </a:ln>
+        </p:spPr>
+        <p:style>
+          <a:lnRef idx="1">
+            <a:schemeClr val="accent1"/>
+          </a:lnRef>
+          <a:fillRef idx="3">
+            <a:schemeClr val="accent1"/>
+          </a:fillRef>
+          <a:effectRef idx="2">
+            <a:schemeClr val="accent1"/>
+          </a:effectRef>
+          <a:fontRef idx="minor">
+            <a:schemeClr val="lt1"/>
+          </a:fontRef>
+        </p:style>
+        <p:txBody>
+          <a:bodyPr rtlCol="0" anchor="ctr"/>
+          <a:lstStyle/>
+          <a:p>
+            <a:pPr algn="ctr"/>
           </a:p>
         </p:txBody>
       </p:sp>

--- a/pptx_engine/templates/bull-bear/data-flow-diagram-light.pptx
+++ b/pptx_engine/templates/bull-bear/data-flow-diagram-light.pptx
@@ -3519,304 +3519,6 @@
         </p:nvSpPr>
         <p:spPr>
           <a:xfrm>
-            <a:off x="2375245" y="10046970"/>
-            <a:ext cx="5016489" cy="2298710"/>
-          </a:xfrm>
-          <a:prstGeom prst="rect">
-            <a:avLst/>
-          </a:prstGeom>
-          <a:noFill/>
-        </p:spPr>
-        <p:txBody>
-          <a:bodyPr wrap="square">
-            <a:spAutoFit/>
-          </a:bodyPr>
-          <a:lstStyle/>
-          <a:p>
-            <a:pPr algn="ctr"/>
-            <a:r>
-              <a:rPr sz="2600" b="0" i="0">
-                <a:solidFill>
-                  <a:srgbClr val="FFFFFF"/>
-                </a:solidFill>
-                <a:latin typeface="Quicksand (TT)"/>
-              </a:rPr>
-              <a:t>S&amp;P 500 </a:t>
-            </a:r>
-          </a:p>
-          <a:p>
-            <a:pPr algn="ctr"/>
-            <a:r>
-              <a:rPr sz="2600" b="0" i="0">
-                <a:solidFill>
-                  <a:srgbClr val="FFFFFF"/>
-                </a:solidFill>
-                <a:latin typeface="Quicksand (TT)"/>
-              </a:rPr>
-              <a:t>DJIA </a:t>
-            </a:r>
-          </a:p>
-          <a:p>
-            <a:pPr algn="ctr"/>
-            <a:r>
-              <a:rPr sz="2600" b="0" i="0">
-                <a:solidFill>
-                  <a:srgbClr val="FFFFFF"/>
-                </a:solidFill>
-                <a:latin typeface="Quicksand (TT)"/>
-              </a:rPr>
-              <a:t>Russell 2000 </a:t>
-            </a:r>
-          </a:p>
-          <a:p>
-            <a:pPr algn="ctr"/>
-            <a:r>
-              <a:rPr sz="2600" b="0" i="0">
-                <a:solidFill>
-                  <a:srgbClr val="FFFFFF"/>
-                </a:solidFill>
-                <a:latin typeface="Quicksand (TT)"/>
-              </a:rPr>
-              <a:t>Dow Utilities </a:t>
-            </a:r>
-          </a:p>
-          <a:p>
-            <a:pPr algn="ctr"/>
-            <a:r>
-              <a:rPr sz="2600" b="0" i="0">
-                <a:solidFill>
-                  <a:srgbClr val="FFFFFF"/>
-                </a:solidFill>
-                <a:latin typeface="Quicksand (TT)"/>
-              </a:rPr>
-              <a:t>Dow Transports </a:t>
-            </a:r>
-          </a:p>
-          <a:p>
-            <a:pPr algn="ctr"/>
-            <a:r>
-              <a:rPr sz="2600" b="0" i="0">
-                <a:solidFill>
-                  <a:srgbClr val="FFFFFF"/>
-                </a:solidFill>
-                <a:latin typeface="Quicksand (TT)"/>
-              </a:rPr>
-              <a:t>Dow Corporate Bonds</a:t>
-            </a:r>
-          </a:p>
-        </p:txBody>
-      </p:sp>
-      <p:sp>
-        <p:nvSpPr>
-          <p:cNvPr id="12" name="TextBox 11"/>
-          <p:cNvSpPr txBox="1"/>
-          <p:nvPr/>
-        </p:nvSpPr>
-        <p:spPr>
-          <a:xfrm>
-            <a:off x="3833804" y="8756751"/>
-            <a:ext cx="2099462" cy="406359"/>
-          </a:xfrm>
-          <a:prstGeom prst="rect">
-            <a:avLst/>
-          </a:prstGeom>
-          <a:noFill/>
-        </p:spPr>
-        <p:txBody>
-          <a:bodyPr wrap="square">
-            <a:spAutoFit/>
-          </a:bodyPr>
-          <a:lstStyle/>
-          <a:p>
-            <a:pPr algn="ctr"/>
-            <a:r>
-              <a:rPr sz="3200" b="0" i="0">
-                <a:solidFill>
-                  <a:srgbClr val="212121"/>
-                </a:solidFill>
-                <a:latin typeface="Quicksand (TT)"/>
-              </a:rPr>
-              <a:t>Index Data</a:t>
-            </a:r>
-          </a:p>
-        </p:txBody>
-      </p:sp>
-      <p:sp>
-        <p:nvSpPr>
-          <p:cNvPr id="13" name="Rounded Rectangle 12"/>
-          <p:cNvSpPr/>
-          <p:nvPr/>
-        </p:nvSpPr>
-        <p:spPr>
-          <a:xfrm>
-            <a:off x="2026036" y="9392168"/>
-            <a:ext cx="5715000" cy="4323831"/>
-          </a:xfrm>
-          <a:prstGeom prst="roundRect">
-            <a:avLst/>
-          </a:prstGeom>
-          <a:solidFill>
-            <a:srgbClr val="212121"/>
-          </a:solidFill>
-          <a:ln>
-            <a:noFill/>
-          </a:ln>
-        </p:spPr>
-        <p:style>
-          <a:lnRef idx="1">
-            <a:schemeClr val="accent1"/>
-          </a:lnRef>
-          <a:fillRef idx="3">
-            <a:schemeClr val="accent1"/>
-          </a:fillRef>
-          <a:effectRef idx="2">
-            <a:schemeClr val="accent1"/>
-          </a:effectRef>
-          <a:fontRef idx="minor">
-            <a:schemeClr val="lt1"/>
-          </a:fontRef>
-        </p:style>
-        <p:txBody>
-          <a:bodyPr rtlCol="0" anchor="ctr"/>
-          <a:lstStyle/>
-          <a:p>
-            <a:pPr algn="ctr"/>
-          </a:p>
-        </p:txBody>
-      </p:sp>
-      <p:sp>
-        <p:nvSpPr>
-          <p:cNvPr id="14" name="TextBox 13"/>
-          <p:cNvSpPr txBox="1"/>
-          <p:nvPr/>
-        </p:nvSpPr>
-        <p:spPr>
-          <a:xfrm>
-            <a:off x="2760299" y="4859030"/>
-            <a:ext cx="4246382" cy="406359"/>
-          </a:xfrm>
-          <a:prstGeom prst="rect">
-            <a:avLst/>
-          </a:prstGeom>
-          <a:noFill/>
-        </p:spPr>
-        <p:txBody>
-          <a:bodyPr wrap="square">
-            <a:spAutoFit/>
-          </a:bodyPr>
-          <a:lstStyle/>
-          <a:p>
-            <a:pPr algn="ctr"/>
-            <a:r>
-              <a:rPr sz="3200" b="0" i="0">
-                <a:solidFill>
-                  <a:srgbClr val="212121"/>
-                </a:solidFill>
-                <a:latin typeface="Quicksand (TT)"/>
-              </a:rPr>
-              <a:t>Market Internals Data</a:t>
-            </a:r>
-          </a:p>
-        </p:txBody>
-      </p:sp>
-      <p:sp>
-        <p:nvSpPr>
-          <p:cNvPr id="15" name="TextBox 14"/>
-          <p:cNvSpPr txBox="1"/>
-          <p:nvPr/>
-        </p:nvSpPr>
-        <p:spPr>
-          <a:xfrm>
-            <a:off x="2375154" y="5962710"/>
-            <a:ext cx="5016672" cy="1511320"/>
-          </a:xfrm>
-          <a:prstGeom prst="rect">
-            <a:avLst/>
-          </a:prstGeom>
-          <a:noFill/>
-        </p:spPr>
-        <p:txBody>
-          <a:bodyPr wrap="square">
-            <a:spAutoFit/>
-          </a:bodyPr>
-          <a:lstStyle/>
-          <a:p>
-            <a:pPr algn="ctr"/>
-            <a:r>
-              <a:rPr sz="2600" b="0" i="0">
-                <a:solidFill>
-                  <a:srgbClr val="FFFFFF"/>
-                </a:solidFill>
-                <a:latin typeface="Quicksand (TT)"/>
-              </a:rPr>
-              <a:t>Index Advances and Declines Trading Volume </a:t>
-            </a:r>
-          </a:p>
-          <a:p>
-            <a:pPr algn="ctr"/>
-            <a:r>
-              <a:rPr sz="2600" b="0" i="0">
-                <a:solidFill>
-                  <a:srgbClr val="FFFFFF"/>
-                </a:solidFill>
-                <a:latin typeface="Quicksand (TT)"/>
-              </a:rPr>
-              <a:t>Index New Highs and New Lows Volatility Measures (VIX)</a:t>
-            </a:r>
-          </a:p>
-        </p:txBody>
-      </p:sp>
-      <p:sp>
-        <p:nvSpPr>
-          <p:cNvPr id="16" name="Rounded Rectangle 15"/>
-          <p:cNvSpPr/>
-          <p:nvPr/>
-        </p:nvSpPr>
-        <p:spPr>
-          <a:xfrm>
-            <a:off x="2026036" y="5440314"/>
-            <a:ext cx="5715000" cy="2543403"/>
-          </a:xfrm>
-          <a:prstGeom prst="roundRect">
-            <a:avLst/>
-          </a:prstGeom>
-          <a:solidFill>
-            <a:srgbClr val="212121"/>
-          </a:solidFill>
-          <a:ln>
-            <a:noFill/>
-          </a:ln>
-        </p:spPr>
-        <p:style>
-          <a:lnRef idx="1">
-            <a:schemeClr val="accent1"/>
-          </a:lnRef>
-          <a:fillRef idx="3">
-            <a:schemeClr val="accent1"/>
-          </a:fillRef>
-          <a:effectRef idx="2">
-            <a:schemeClr val="accent1"/>
-          </a:effectRef>
-          <a:fontRef idx="minor">
-            <a:schemeClr val="lt1"/>
-          </a:fontRef>
-        </p:style>
-        <p:txBody>
-          <a:bodyPr rtlCol="0" anchor="ctr"/>
-          <a:lstStyle/>
-          <a:p>
-            <a:pPr algn="ctr"/>
-          </a:p>
-        </p:txBody>
-      </p:sp>
-      <p:sp>
-        <p:nvSpPr>
-          <p:cNvPr id="17" name="TextBox 16"/>
-          <p:cNvSpPr txBox="1"/>
-          <p:nvPr/>
-        </p:nvSpPr>
-        <p:spPr>
-          <a:xfrm>
             <a:off x="9792949" y="5962710"/>
             <a:ext cx="4798131" cy="3479840"/>
           </a:xfrm>
@@ -3942,7 +3644,7 @@
       </p:sp>
       <p:sp>
         <p:nvSpPr>
-          <p:cNvPr id="18" name="TextBox 17"/>
+          <p:cNvPr id="12" name="TextBox 11"/>
           <p:cNvSpPr txBox="1"/>
           <p:nvPr/>
         </p:nvSpPr>
@@ -3977,7 +3679,7 @@
       </p:sp>
       <p:sp>
         <p:nvSpPr>
-          <p:cNvPr id="19" name="Rounded Rectangle 18"/>
+          <p:cNvPr id="13" name="Rounded Rectangle 12"/>
           <p:cNvSpPr/>
           <p:nvPr/>
         </p:nvSpPr>
@@ -4020,216 +3722,7 @@
       </p:sp>
       <p:sp>
         <p:nvSpPr>
-          <p:cNvPr id="20" name="TextBox 19"/>
-          <p:cNvSpPr txBox="1"/>
-          <p:nvPr/>
-        </p:nvSpPr>
-        <p:spPr>
-          <a:xfrm>
-            <a:off x="9792949" y="5962710"/>
-            <a:ext cx="4798131" cy="3479840"/>
-          </a:xfrm>
-          <a:prstGeom prst="rect">
-            <a:avLst/>
-          </a:prstGeom>
-          <a:noFill/>
-        </p:spPr>
-        <p:txBody>
-          <a:bodyPr wrap="square">
-            <a:spAutoFit/>
-          </a:bodyPr>
-          <a:lstStyle/>
-          <a:p>
-            <a:pPr algn="ctr"/>
-            <a:r>
-              <a:rPr sz="2600" b="0" i="0">
-                <a:solidFill>
-                  <a:srgbClr val="000000"/>
-                </a:solidFill>
-                <a:latin typeface="Quicksand (TT)"/>
-              </a:rPr>
-              <a:t>Trend Following </a:t>
-            </a:r>
-          </a:p>
-          <a:p>
-            <a:pPr algn="ctr"/>
-            <a:r>
-              <a:rPr sz="2600" b="0" i="0">
-                <a:solidFill>
-                  <a:srgbClr val="000000"/>
-                </a:solidFill>
-                <a:latin typeface="Quicksand (TT)"/>
-              </a:rPr>
-              <a:t>Momentum </a:t>
-            </a:r>
-          </a:p>
-          <a:p>
-            <a:pPr algn="ctr"/>
-            <a:r>
-              <a:rPr sz="2600" b="0" i="0">
-                <a:solidFill>
-                  <a:srgbClr val="000000"/>
-                </a:solidFill>
-                <a:latin typeface="Quicksand (TT)"/>
-              </a:rPr>
-              <a:t>Relative Strength </a:t>
-            </a:r>
-          </a:p>
-          <a:p>
-            <a:pPr algn="ctr"/>
-            <a:r>
-              <a:rPr sz="2600" b="0" i="0">
-                <a:solidFill>
-                  <a:srgbClr val="000000"/>
-                </a:solidFill>
-                <a:latin typeface="Quicksand (TT)"/>
-              </a:rPr>
-              <a:t>Bollinger Bands </a:t>
-            </a:r>
-          </a:p>
-          <a:p>
-            <a:pPr algn="ctr"/>
-            <a:r>
-              <a:rPr sz="2600" b="0" i="0">
-                <a:solidFill>
-                  <a:srgbClr val="000000"/>
-                </a:solidFill>
-                <a:latin typeface="Quicksand (TT)"/>
-              </a:rPr>
-              <a:t>Stochastics </a:t>
-            </a:r>
-          </a:p>
-          <a:p>
-            <a:pPr algn="ctr"/>
-            <a:r>
-              <a:rPr sz="2600" b="0" i="0">
-                <a:solidFill>
-                  <a:srgbClr val="000000"/>
-                </a:solidFill>
-                <a:latin typeface="Quicksand (TT)"/>
-              </a:rPr>
-              <a:t>Oscillators </a:t>
-            </a:r>
-          </a:p>
-          <a:p>
-            <a:pPr algn="ctr"/>
-            <a:r>
-              <a:rPr sz="2600" b="0" i="0">
-                <a:solidFill>
-                  <a:srgbClr val="000000"/>
-                </a:solidFill>
-                <a:latin typeface="Quicksand (TT)"/>
-              </a:rPr>
-              <a:t>Intermarket Analysis </a:t>
-            </a:r>
-          </a:p>
-          <a:p>
-            <a:pPr algn="ctr"/>
-            <a:r>
-              <a:rPr sz="2600" b="0" i="0">
-                <a:solidFill>
-                  <a:srgbClr val="000000"/>
-                </a:solidFill>
-                <a:latin typeface="Quicksand (TT)"/>
-              </a:rPr>
-              <a:t>Mean Reversion </a:t>
-            </a:r>
-          </a:p>
-          <a:p>
-            <a:pPr algn="ctr"/>
-            <a:r>
-              <a:rPr sz="2600" b="0" i="0">
-                <a:solidFill>
-                  <a:srgbClr val="000000"/>
-                </a:solidFill>
-                <a:latin typeface="Quicksand (TT)"/>
-              </a:rPr>
-              <a:t>Overbought/Oversold Analysis</a:t>
-            </a:r>
-          </a:p>
-        </p:txBody>
-      </p:sp>
-      <p:sp>
-        <p:nvSpPr>
-          <p:cNvPr id="21" name="TextBox 20"/>
-          <p:cNvSpPr txBox="1"/>
-          <p:nvPr/>
-        </p:nvSpPr>
-        <p:spPr>
-          <a:xfrm>
-            <a:off x="10278861" y="4804897"/>
-            <a:ext cx="3826215" cy="406359"/>
-          </a:xfrm>
-          <a:prstGeom prst="rect">
-            <a:avLst/>
-          </a:prstGeom>
-          <a:noFill/>
-        </p:spPr>
-        <p:txBody>
-          <a:bodyPr wrap="square">
-            <a:spAutoFit/>
-          </a:bodyPr>
-          <a:lstStyle/>
-          <a:p>
-            <a:pPr algn="ctr"/>
-            <a:r>
-              <a:rPr sz="3200" b="0" i="0">
-                <a:solidFill>
-                  <a:srgbClr val="212121"/>
-                </a:solidFill>
-                <a:latin typeface="Quicksand (TT)"/>
-              </a:rPr>
-              <a:t>Technical Indicators</a:t>
-            </a:r>
-          </a:p>
-        </p:txBody>
-      </p:sp>
-      <p:sp>
-        <p:nvSpPr>
-          <p:cNvPr id="22" name="Rounded Rectangle 21"/>
-          <p:cNvSpPr/>
-          <p:nvPr/>
-        </p:nvSpPr>
-        <p:spPr>
-          <a:xfrm>
-            <a:off x="9334469" y="5440314"/>
-            <a:ext cx="5715000" cy="8275685"/>
-          </a:xfrm>
-          <a:prstGeom prst="roundRect">
-            <a:avLst/>
-          </a:prstGeom>
-          <a:solidFill>
-            <a:srgbClr val="FDC012"/>
-          </a:solidFill>
-          <a:ln>
-            <a:noFill/>
-          </a:ln>
-        </p:spPr>
-        <p:style>
-          <a:lnRef idx="1">
-            <a:schemeClr val="accent1"/>
-          </a:lnRef>
-          <a:fillRef idx="3">
-            <a:schemeClr val="accent1"/>
-          </a:fillRef>
-          <a:effectRef idx="2">
-            <a:schemeClr val="accent1"/>
-          </a:effectRef>
-          <a:fontRef idx="minor">
-            <a:schemeClr val="lt1"/>
-          </a:fontRef>
-        </p:style>
-        <p:txBody>
-          <a:bodyPr rtlCol="0" anchor="ctr"/>
-          <a:lstStyle/>
-          <a:p>
-            <a:pPr algn="ctr"/>
-          </a:p>
-        </p:txBody>
-      </p:sp>
-      <p:sp>
-        <p:nvSpPr>
-          <p:cNvPr id="23" name="TextBox 22"/>
+          <p:cNvPr id="14" name="TextBox 13"/>
           <p:cNvSpPr txBox="1"/>
           <p:nvPr/>
         </p:nvSpPr>
@@ -4264,7 +3757,7 @@
       </p:sp>
       <p:sp>
         <p:nvSpPr>
-          <p:cNvPr id="24" name="TextBox 23"/>
+          <p:cNvPr id="15" name="TextBox 14"/>
           <p:cNvSpPr txBox="1"/>
           <p:nvPr/>
         </p:nvSpPr>
@@ -4311,7 +3804,7 @@
       </p:sp>
       <p:sp>
         <p:nvSpPr>
-          <p:cNvPr id="25" name="Rounded Rectangle 24"/>
+          <p:cNvPr id="16" name="Rounded Rectangle 15"/>
           <p:cNvSpPr/>
           <p:nvPr/>
         </p:nvSpPr>
@@ -4354,7 +3847,7 @@
       </p:sp>
       <p:sp>
         <p:nvSpPr>
-          <p:cNvPr id="26" name="TextBox 25"/>
+          <p:cNvPr id="17" name="TextBox 16"/>
           <p:cNvSpPr txBox="1"/>
           <p:nvPr/>
         </p:nvSpPr>
@@ -4389,7 +3882,7 @@
       </p:sp>
       <p:sp>
         <p:nvSpPr>
-          <p:cNvPr id="27" name="TextBox 26"/>
+          <p:cNvPr id="18" name="TextBox 17"/>
           <p:cNvSpPr txBox="1"/>
           <p:nvPr/>
         </p:nvSpPr>
@@ -4460,7 +3953,7 @@
       </p:sp>
       <p:sp>
         <p:nvSpPr>
-          <p:cNvPr id="28" name="Rounded Rectangle 27"/>
+          <p:cNvPr id="19" name="Rounded Rectangle 18"/>
           <p:cNvSpPr/>
           <p:nvPr/>
         </p:nvSpPr>
@@ -4503,281 +3996,7 @@
       </p:sp>
       <p:sp>
         <p:nvSpPr>
-          <p:cNvPr id="29" name="TextBox 28"/>
-          <p:cNvSpPr txBox="1"/>
-          <p:nvPr/>
-        </p:nvSpPr>
-        <p:spPr>
-          <a:xfrm>
-            <a:off x="17982407" y="8756751"/>
-            <a:ext cx="3036173" cy="406359"/>
-          </a:xfrm>
-          <a:prstGeom prst="rect">
-            <a:avLst/>
-          </a:prstGeom>
-          <a:noFill/>
-        </p:spPr>
-        <p:txBody>
-          <a:bodyPr wrap="square">
-            <a:spAutoFit/>
-          </a:bodyPr>
-          <a:lstStyle/>
-          <a:p>
-            <a:pPr algn="ctr"/>
-            <a:r>
-              <a:rPr sz="3200" b="0" i="0">
-                <a:solidFill>
-                  <a:srgbClr val="212121"/>
-                </a:solidFill>
-                <a:latin typeface="Quicksand (TT)"/>
-              </a:rPr>
-              <a:t>Sentiment Data</a:t>
-            </a:r>
-          </a:p>
-        </p:txBody>
-      </p:sp>
-      <p:sp>
-        <p:nvSpPr>
-          <p:cNvPr id="30" name="TextBox 29"/>
-          <p:cNvSpPr txBox="1"/>
-          <p:nvPr/>
-        </p:nvSpPr>
-        <p:spPr>
-          <a:xfrm>
-            <a:off x="16992203" y="10046970"/>
-            <a:ext cx="5016489" cy="1117579"/>
-          </a:xfrm>
-          <a:prstGeom prst="rect">
-            <a:avLst/>
-          </a:prstGeom>
-          <a:noFill/>
-        </p:spPr>
-        <p:txBody>
-          <a:bodyPr wrap="square">
-            <a:spAutoFit/>
-          </a:bodyPr>
-          <a:lstStyle/>
-          <a:p>
-            <a:pPr algn="ctr"/>
-            <a:r>
-              <a:rPr sz="2600" b="0" i="0">
-                <a:solidFill>
-                  <a:srgbClr val="FFFFFF"/>
-                </a:solidFill>
-                <a:latin typeface="Quicksand (TT)"/>
-              </a:rPr>
-              <a:t>Commercial Longs and Shorts AAII Bullish and Bearish % </a:t>
-            </a:r>
-          </a:p>
-          <a:p>
-            <a:pPr algn="ctr"/>
-            <a:r>
-              <a:rPr sz="2600" b="0" i="0">
-                <a:solidFill>
-                  <a:srgbClr val="FFFFFF"/>
-                </a:solidFill>
-                <a:latin typeface="Quicksand (TT)"/>
-              </a:rPr>
-              <a:t>Put-Call Ratio</a:t>
-            </a:r>
-          </a:p>
-        </p:txBody>
-      </p:sp>
-      <p:sp>
-        <p:nvSpPr>
-          <p:cNvPr id="31" name="Rounded Rectangle 30"/>
-          <p:cNvSpPr/>
-          <p:nvPr/>
-        </p:nvSpPr>
-        <p:spPr>
-          <a:xfrm>
-            <a:off x="16642994" y="9392168"/>
-            <a:ext cx="5715000" cy="4323831"/>
-          </a:xfrm>
-          <a:prstGeom prst="roundRect">
-            <a:avLst/>
-          </a:prstGeom>
-          <a:solidFill>
-            <a:srgbClr val="212121"/>
-          </a:solidFill>
-          <a:ln>
-            <a:noFill/>
-          </a:ln>
-        </p:spPr>
-        <p:style>
-          <a:lnRef idx="1">
-            <a:schemeClr val="accent1"/>
-          </a:lnRef>
-          <a:fillRef idx="3">
-            <a:schemeClr val="accent1"/>
-          </a:fillRef>
-          <a:effectRef idx="2">
-            <a:schemeClr val="accent1"/>
-          </a:effectRef>
-          <a:fontRef idx="minor">
-            <a:schemeClr val="lt1"/>
-          </a:fontRef>
-        </p:style>
-        <p:txBody>
-          <a:bodyPr rtlCol="0" anchor="ctr"/>
-          <a:lstStyle/>
-          <a:p>
-            <a:pPr algn="ctr"/>
-          </a:p>
-        </p:txBody>
-      </p:sp>
-      <p:sp>
-        <p:nvSpPr>
-          <p:cNvPr id="32" name="TextBox 31"/>
-          <p:cNvSpPr txBox="1"/>
-          <p:nvPr/>
-        </p:nvSpPr>
-        <p:spPr>
-          <a:xfrm>
-            <a:off x="18037820" y="4804897"/>
-            <a:ext cx="2925257" cy="406359"/>
-          </a:xfrm>
-          <a:prstGeom prst="rect">
-            <a:avLst/>
-          </a:prstGeom>
-          <a:noFill/>
-        </p:spPr>
-        <p:txBody>
-          <a:bodyPr wrap="square">
-            <a:spAutoFit/>
-          </a:bodyPr>
-          <a:lstStyle/>
-          <a:p>
-            <a:pPr algn="ctr"/>
-            <a:r>
-              <a:rPr sz="3200" b="0" i="0">
-                <a:solidFill>
-                  <a:srgbClr val="212121"/>
-                </a:solidFill>
-                <a:latin typeface="Quicksand (TT)"/>
-              </a:rPr>
-              <a:t>Economic Data</a:t>
-            </a:r>
-          </a:p>
-        </p:txBody>
-      </p:sp>
-      <p:sp>
-        <p:nvSpPr>
-          <p:cNvPr id="33" name="TextBox 32"/>
-          <p:cNvSpPr txBox="1"/>
-          <p:nvPr/>
-        </p:nvSpPr>
-        <p:spPr>
-          <a:xfrm>
-            <a:off x="16992203" y="5962710"/>
-            <a:ext cx="5016489" cy="1511320"/>
-          </a:xfrm>
-          <a:prstGeom prst="rect">
-            <a:avLst/>
-          </a:prstGeom>
-          <a:noFill/>
-        </p:spPr>
-        <p:txBody>
-          <a:bodyPr wrap="square">
-            <a:spAutoFit/>
-          </a:bodyPr>
-          <a:lstStyle/>
-          <a:p>
-            <a:pPr algn="ctr"/>
-            <a:r>
-              <a:rPr sz="2600" b="0" i="0">
-                <a:solidFill>
-                  <a:srgbClr val="FFFFFF"/>
-                </a:solidFill>
-                <a:latin typeface="Quicksand (TT)"/>
-              </a:rPr>
-              <a:t>Fed Funds Rate </a:t>
-            </a:r>
-          </a:p>
-          <a:p>
-            <a:pPr algn="ctr"/>
-            <a:r>
-              <a:rPr sz="2600" b="0" i="0">
-                <a:solidFill>
-                  <a:srgbClr val="FFFFFF"/>
-                </a:solidFill>
-                <a:latin typeface="Quicksand (TT)"/>
-              </a:rPr>
-              <a:t>Prime Rate </a:t>
-            </a:r>
-          </a:p>
-          <a:p>
-            <a:pPr algn="ctr"/>
-            <a:r>
-              <a:rPr sz="2600" b="0" i="0">
-                <a:solidFill>
-                  <a:srgbClr val="FFFFFF"/>
-                </a:solidFill>
-                <a:latin typeface="Quicksand (TT)"/>
-              </a:rPr>
-              <a:t>Discount Rate </a:t>
-            </a:r>
-          </a:p>
-          <a:p>
-            <a:pPr algn="ctr"/>
-            <a:r>
-              <a:rPr sz="2600" b="0" i="0">
-                <a:solidFill>
-                  <a:srgbClr val="FFFFFF"/>
-                </a:solidFill>
-                <a:latin typeface="Quicksand (TT)"/>
-              </a:rPr>
-              <a:t>Treasury Bill Rate</a:t>
-            </a:r>
-          </a:p>
-        </p:txBody>
-      </p:sp>
-      <p:sp>
-        <p:nvSpPr>
-          <p:cNvPr id="34" name="Rounded Rectangle 33"/>
-          <p:cNvSpPr/>
-          <p:nvPr/>
-        </p:nvSpPr>
-        <p:spPr>
-          <a:xfrm>
-            <a:off x="16642994" y="5440314"/>
-            <a:ext cx="5715000" cy="2543403"/>
-          </a:xfrm>
-          <a:prstGeom prst="roundRect">
-            <a:avLst/>
-          </a:prstGeom>
-          <a:solidFill>
-            <a:srgbClr val="212121"/>
-          </a:solidFill>
-          <a:ln>
-            <a:noFill/>
-          </a:ln>
-        </p:spPr>
-        <p:style>
-          <a:lnRef idx="1">
-            <a:schemeClr val="accent1"/>
-          </a:lnRef>
-          <a:fillRef idx="3">
-            <a:schemeClr val="accent1"/>
-          </a:fillRef>
-          <a:effectRef idx="2">
-            <a:schemeClr val="accent1"/>
-          </a:effectRef>
-          <a:fontRef idx="minor">
-            <a:schemeClr val="lt1"/>
-          </a:fontRef>
-        </p:style>
-        <p:txBody>
-          <a:bodyPr rtlCol="0" anchor="ctr"/>
-          <a:lstStyle/>
-          <a:p>
-            <a:pPr algn="ctr"/>
-          </a:p>
-        </p:txBody>
-      </p:sp>
-      <p:sp>
-        <p:nvSpPr>
-          <p:cNvPr id="35" name="Rounded Rectangle 34"/>
+          <p:cNvPr id="20" name="Rounded Rectangle 19"/>
           <p:cNvSpPr/>
           <p:nvPr/>
         </p:nvSpPr>
@@ -4820,7 +4039,7 @@
       </p:sp>
       <p:sp>
         <p:nvSpPr>
-          <p:cNvPr id="36" name="Rounded Rectangle 35"/>
+          <p:cNvPr id="21" name="Rounded Rectangle 20"/>
           <p:cNvSpPr/>
           <p:nvPr/>
         </p:nvSpPr>
@@ -4863,7 +4082,7 @@
       </p:sp>
       <p:sp>
         <p:nvSpPr>
-          <p:cNvPr id="37" name="Rounded Rectangle 36"/>
+          <p:cNvPr id="22" name="Rounded Rectangle 21"/>
           <p:cNvSpPr/>
           <p:nvPr/>
         </p:nvSpPr>
@@ -4906,7 +4125,7 @@
       </p:sp>
       <p:sp>
         <p:nvSpPr>
-          <p:cNvPr id="38" name="Rounded Rectangle 37"/>
+          <p:cNvPr id="23" name="Rounded Rectangle 22"/>
           <p:cNvSpPr/>
           <p:nvPr/>
         </p:nvSpPr>
